--- a/img/103100082.pptx
+++ b/img/103100082.pptx
@@ -3326,12 +3326,216 @@
           <a:chExt cx="0" cy="0"/>
         </a:xfrm>
       </p:grpSpPr>
+      <p:sp>
+        <p:nvSpPr>
+          <p:cNvPr id="22" name="文本框 21">
+            <a:extLst>
+              <a:ext uri="{FF2B5EF4-FFF2-40B4-BE49-F238E27FC236}">
+                <a16:creationId xmlns:a16="http://schemas.microsoft.com/office/drawing/2014/main" id="{6F1D8D37-DB9D-4D6D-ABFF-701B208BECB2}"/>
+              </a:ext>
+            </a:extLst>
+          </p:cNvPr>
+          <p:cNvSpPr txBox="1"/>
+          <p:nvPr/>
+        </p:nvSpPr>
+        <p:spPr>
+          <a:xfrm>
+            <a:off x="5519027" y="1686056"/>
+            <a:ext cx="6266661" cy="2205732"/>
+          </a:xfrm>
+          <a:prstGeom prst="rect">
+            <a:avLst/>
+          </a:prstGeom>
+          <a:noFill/>
+        </p:spPr>
+        <p:txBody>
+          <a:bodyPr wrap="square" rtlCol="0">
+            <a:spAutoFit/>
+          </a:bodyPr>
+          <a:lstStyle/>
+          <a:p>
+            <a:pPr>
+              <a:lnSpc>
+                <a:spcPts val="2500"/>
+              </a:lnSpc>
+            </a:pPr>
+            <a:r>
+              <a:rPr lang="en-GB" sz="1600" b="1">
+                <a:latin typeface="Leelawadee UI" panose="020B0502040204020203" pitchFamily="34" charset="-34"/>
+                <a:ea typeface="Microsoft JhengHei Light" panose="020B0304030504040204" pitchFamily="34" charset="-120"/>
+                <a:cs typeface="Leelawadee UI" panose="020B0502040204020203" pitchFamily="34" charset="-34"/>
+              </a:rPr>
+              <a:t>Switch</a:t>
+            </a:r>
+            <a:r>
+              <a:rPr lang="en-GB" sz="1600">
+                <a:latin typeface="Leelawadee UI" panose="020B0502040204020203" pitchFamily="34" charset="-34"/>
+                <a:ea typeface="Microsoft JhengHei Light" panose="020B0304030504040204" pitchFamily="34" charset="-120"/>
+                <a:cs typeface="Leelawadee UI" panose="020B0502040204020203" pitchFamily="34" charset="-34"/>
+              </a:rPr>
+              <a:t>: manually turn on/off the external output power</a:t>
+            </a:r>
+            <a:endParaRPr lang="en-US" sz="1600" dirty="0">
+              <a:latin typeface="Leelawadee UI" panose="020B0502040204020203" pitchFamily="34" charset="-34"/>
+              <a:ea typeface="Microsoft JhengHei Light" panose="020B0304030504040204" pitchFamily="34" charset="-120"/>
+              <a:cs typeface="Leelawadee UI" panose="020B0502040204020203" pitchFamily="34" charset="-34"/>
+            </a:endParaRPr>
+          </a:p>
+          <a:p>
+            <a:pPr>
+              <a:lnSpc>
+                <a:spcPts val="2500"/>
+              </a:lnSpc>
+            </a:pPr>
+            <a:r>
+              <a:rPr lang="en-US" sz="1600" b="1">
+                <a:latin typeface="Leelawadee UI" panose="020B0502040204020203" pitchFamily="34" charset="-34"/>
+                <a:ea typeface="Microsoft JhengHei Light" panose="020B0304030504040204" pitchFamily="34" charset="-120"/>
+                <a:cs typeface="Leelawadee UI" panose="020B0502040204020203" pitchFamily="34" charset="-34"/>
+              </a:rPr>
+              <a:t>I2C Grove Port</a:t>
+            </a:r>
+            <a:r>
+              <a:rPr lang="en-US" sz="1600">
+                <a:latin typeface="Leelawadee UI" panose="020B0502040204020203" pitchFamily="34" charset="-34"/>
+                <a:ea typeface="Microsoft JhengHei Light" panose="020B0304030504040204" pitchFamily="34" charset="-120"/>
+                <a:cs typeface="Leelawadee UI" panose="020B0502040204020203" pitchFamily="34" charset="-34"/>
+              </a:rPr>
+              <a:t>: </a:t>
+            </a:r>
+            <a:r>
+              <a:rPr lang="en-US" altLang="zh-CN" sz="1600">
+                <a:latin typeface="Leelawadee UI" panose="020B0502040204020203" pitchFamily="34" charset="-34"/>
+                <a:ea typeface="Microsoft JhengHei Light" panose="020B0304030504040204" pitchFamily="34" charset="-120"/>
+                <a:cs typeface="Leelawadee UI" panose="020B0502040204020203" pitchFamily="34" charset="-34"/>
+              </a:rPr>
+              <a:t>a</a:t>
+            </a:r>
+            <a:r>
+              <a:rPr lang="en-GB" sz="1600">
+                <a:latin typeface="Leelawadee UI" panose="020B0502040204020203" pitchFamily="34" charset="-34"/>
+                <a:ea typeface="Microsoft JhengHei Light" panose="020B0304030504040204" pitchFamily="34" charset="-120"/>
+                <a:cs typeface="Leelawadee UI" panose="020B0502040204020203" pitchFamily="34" charset="-34"/>
+              </a:rPr>
+              <a:t>ccess to RTC and EEPROM via I2C</a:t>
+            </a:r>
+            <a:endParaRPr lang="en-US" sz="1600" dirty="0">
+              <a:latin typeface="Leelawadee UI" panose="020B0502040204020203" pitchFamily="34" charset="-34"/>
+              <a:ea typeface="Microsoft JhengHei Light" panose="020B0304030504040204" pitchFamily="34" charset="-120"/>
+              <a:cs typeface="Leelawadee UI" panose="020B0502040204020203" pitchFamily="34" charset="-34"/>
+            </a:endParaRPr>
+          </a:p>
+          <a:p>
+            <a:pPr>
+              <a:lnSpc>
+                <a:spcPts val="2500"/>
+              </a:lnSpc>
+            </a:pPr>
+            <a:r>
+              <a:rPr lang="en-US" sz="1600" b="1">
+                <a:latin typeface="Leelawadee UI" panose="020B0502040204020203" pitchFamily="34" charset="-34"/>
+                <a:ea typeface="Microsoft JhengHei Light" panose="020B0304030504040204" pitchFamily="34" charset="-120"/>
+                <a:cs typeface="Leelawadee UI" panose="020B0502040204020203" pitchFamily="34" charset="-34"/>
+              </a:rPr>
+              <a:t>Micro USB</a:t>
+            </a:r>
+            <a:r>
+              <a:rPr lang="en-US" sz="1600">
+                <a:latin typeface="Leelawadee UI" panose="020B0502040204020203" pitchFamily="34" charset="-34"/>
+                <a:ea typeface="Microsoft JhengHei Light" panose="020B0304030504040204" pitchFamily="34" charset="-120"/>
+                <a:cs typeface="Leelawadee UI" panose="020B0502040204020203" pitchFamily="34" charset="-34"/>
+              </a:rPr>
+              <a:t>: </a:t>
+            </a:r>
+            <a:r>
+              <a:rPr lang="en-US" altLang="zh-CN" sz="1600">
+                <a:latin typeface="Leelawadee UI" panose="020B0502040204020203" pitchFamily="34" charset="-34"/>
+                <a:ea typeface="Microsoft JhengHei Light" panose="020B0304030504040204" pitchFamily="34" charset="-120"/>
+                <a:cs typeface="Leelawadee UI" panose="020B0502040204020203" pitchFamily="34" charset="-34"/>
+              </a:rPr>
+              <a:t>Powering the module</a:t>
+            </a:r>
+            <a:endParaRPr lang="en-US" sz="1600" dirty="0">
+              <a:latin typeface="Leelawadee UI" panose="020B0502040204020203" pitchFamily="34" charset="-34"/>
+              <a:ea typeface="Microsoft JhengHei Light" panose="020B0304030504040204" pitchFamily="34" charset="-120"/>
+              <a:cs typeface="Leelawadee UI" panose="020B0502040204020203" pitchFamily="34" charset="-34"/>
+            </a:endParaRPr>
+          </a:p>
+          <a:p>
+            <a:pPr>
+              <a:lnSpc>
+                <a:spcPts val="2500"/>
+              </a:lnSpc>
+            </a:pPr>
+            <a:r>
+              <a:rPr lang="en-US" sz="1600" b="1">
+                <a:latin typeface="Leelawadee UI" panose="020B0502040204020203" pitchFamily="34" charset="-34"/>
+                <a:ea typeface="Microsoft JhengHei Light" panose="020B0304030504040204" pitchFamily="34" charset="-120"/>
+                <a:cs typeface="Leelawadee UI" panose="020B0502040204020203" pitchFamily="34" charset="-34"/>
+              </a:rPr>
+              <a:t>USB</a:t>
+            </a:r>
+            <a:r>
+              <a:rPr lang="en-US" sz="1600">
+                <a:latin typeface="Leelawadee UI" panose="020B0502040204020203" pitchFamily="34" charset="-34"/>
+                <a:ea typeface="Microsoft JhengHei Light" panose="020B0304030504040204" pitchFamily="34" charset="-120"/>
+                <a:cs typeface="Leelawadee UI" panose="020B0502040204020203" pitchFamily="34" charset="-34"/>
+              </a:rPr>
+              <a:t>: Provide 5V power for </a:t>
+            </a:r>
+            <a:r>
+              <a:rPr lang="en-GB" sz="1600">
+                <a:latin typeface="Leelawadee UI" panose="020B0502040204020203" pitchFamily="34" charset="-34"/>
+                <a:ea typeface="Microsoft JhengHei Light" panose="020B0304030504040204" pitchFamily="34" charset="-120"/>
+                <a:cs typeface="Leelawadee UI" panose="020B0502040204020203" pitchFamily="34" charset="-34"/>
+              </a:rPr>
+              <a:t>external </a:t>
+            </a:r>
+            <a:r>
+              <a:rPr lang="en-US" sz="1600">
+                <a:latin typeface="Leelawadee UI" panose="020B0502040204020203" pitchFamily="34" charset="-34"/>
+                <a:ea typeface="Microsoft JhengHei Light" panose="020B0304030504040204" pitchFamily="34" charset="-120"/>
+                <a:cs typeface="Leelawadee UI" panose="020B0502040204020203" pitchFamily="34" charset="-34"/>
+              </a:rPr>
+              <a:t>output</a:t>
+            </a:r>
+            <a:endParaRPr lang="en-US" sz="1600" dirty="0">
+              <a:latin typeface="Leelawadee UI" panose="020B0502040204020203" pitchFamily="34" charset="-34"/>
+              <a:ea typeface="Microsoft JhengHei Light" panose="020B0304030504040204" pitchFamily="34" charset="-120"/>
+              <a:cs typeface="Leelawadee UI" panose="020B0502040204020203" pitchFamily="34" charset="-34"/>
+            </a:endParaRPr>
+          </a:p>
+          <a:p>
+            <a:endParaRPr lang="en-US" sz="1200" dirty="0">
+              <a:solidFill>
+                <a:srgbClr val="D4D4D4"/>
+              </a:solidFill>
+              <a:latin typeface="Consolas" panose="020B0609020204030204" pitchFamily="49" charset="0"/>
+            </a:endParaRPr>
+          </a:p>
+          <a:p>
+            <a:endParaRPr lang="en-US" sz="1200" dirty="0">
+              <a:latin typeface="Times New Roman" panose="02020603050405020304" pitchFamily="18" charset="0"/>
+              <a:cs typeface="Times New Roman" panose="02020603050405020304" pitchFamily="18" charset="0"/>
+            </a:endParaRPr>
+          </a:p>
+          <a:p>
+            <a:endParaRPr lang="en-US" sz="1200" dirty="0">
+              <a:latin typeface="Times New Roman" panose="02020603050405020304" pitchFamily="18" charset="0"/>
+              <a:cs typeface="Times New Roman" panose="02020603050405020304" pitchFamily="18" charset="0"/>
+            </a:endParaRPr>
+          </a:p>
+          <a:p>
+            <a:endParaRPr lang="en-US" dirty="0"/>
+          </a:p>
+        </p:txBody>
+      </p:sp>
       <p:pic>
         <p:nvPicPr>
-          <p:cNvPr id="52" name="图片 51">
-            <a:extLst>
-              <a:ext uri="{FF2B5EF4-FFF2-40B4-BE49-F238E27FC236}">
-                <a16:creationId xmlns:a16="http://schemas.microsoft.com/office/drawing/2014/main" id="{41E070C8-7BD6-4605-A81F-23316E59B87B}"/>
+          <p:cNvPr id="23" name="图片 22">
+            <a:extLst>
+              <a:ext uri="{FF2B5EF4-FFF2-40B4-BE49-F238E27FC236}">
+                <a16:creationId xmlns:a16="http://schemas.microsoft.com/office/drawing/2014/main" id="{414AE8AF-CBE4-4BFD-AFAF-07DC5B52EFCC}"/>
               </a:ext>
             </a:extLst>
           </p:cNvPr>
@@ -3354,748 +3558,7 @@
         </p:blipFill>
         <p:spPr>
           <a:xfrm>
-            <a:off x="3032525" y="561489"/>
-            <a:ext cx="5260620" cy="3945465"/>
-          </a:xfrm>
-          <a:prstGeom prst="rect">
-            <a:avLst/>
-          </a:prstGeom>
-        </p:spPr>
-      </p:pic>
-      <p:cxnSp>
-        <p:nvCxnSpPr>
-          <p:cNvPr id="6" name="直接连接符 5">
-            <a:extLst>
-              <a:ext uri="{FF2B5EF4-FFF2-40B4-BE49-F238E27FC236}">
-                <a16:creationId xmlns:a16="http://schemas.microsoft.com/office/drawing/2014/main" id="{33756AE6-8C78-4F38-8EA9-C0DECC91B8EB}"/>
-              </a:ext>
-            </a:extLst>
-          </p:cNvPr>
-          <p:cNvCxnSpPr>
-            <a:cxnSpLocks/>
-          </p:cNvCxnSpPr>
-          <p:nvPr/>
-        </p:nvCxnSpPr>
-        <p:spPr>
-          <a:xfrm>
-            <a:off x="3419712" y="2081137"/>
-            <a:ext cx="1005040" cy="0"/>
-          </a:xfrm>
-          <a:prstGeom prst="line">
-            <a:avLst/>
-          </a:prstGeom>
-          <a:ln w="19050" cap="flat" cmpd="sng" algn="ctr">
-            <a:solidFill>
-              <a:schemeClr val="accent3"/>
-            </a:solidFill>
-            <a:prstDash val="dash"/>
-            <a:round/>
-            <a:headEnd type="none" w="med" len="med"/>
-            <a:tailEnd type="none" w="med" len="med"/>
-          </a:ln>
-        </p:spPr>
-        <p:style>
-          <a:lnRef idx="0">
-            <a:scrgbClr r="0" g="0" b="0"/>
-          </a:lnRef>
-          <a:fillRef idx="0">
-            <a:scrgbClr r="0" g="0" b="0"/>
-          </a:fillRef>
-          <a:effectRef idx="0">
-            <a:scrgbClr r="0" g="0" b="0"/>
-          </a:effectRef>
-          <a:fontRef idx="minor">
-            <a:schemeClr val="tx1"/>
-          </a:fontRef>
-        </p:style>
-      </p:cxnSp>
-      <p:cxnSp>
-        <p:nvCxnSpPr>
-          <p:cNvPr id="7" name="直接连接符 6">
-            <a:extLst>
-              <a:ext uri="{FF2B5EF4-FFF2-40B4-BE49-F238E27FC236}">
-                <a16:creationId xmlns:a16="http://schemas.microsoft.com/office/drawing/2014/main" id="{2B5540B3-D15C-43A8-A813-D0C4D3D7E011}"/>
-              </a:ext>
-            </a:extLst>
-          </p:cNvPr>
-          <p:cNvCxnSpPr>
-            <a:cxnSpLocks/>
-          </p:cNvCxnSpPr>
-          <p:nvPr/>
-        </p:nvCxnSpPr>
-        <p:spPr>
-          <a:xfrm flipH="1">
-            <a:off x="3357048" y="3257384"/>
-            <a:ext cx="717802" cy="0"/>
-          </a:xfrm>
-          <a:prstGeom prst="line">
-            <a:avLst/>
-          </a:prstGeom>
-          <a:ln w="19050" cap="flat" cmpd="sng" algn="ctr">
-            <a:solidFill>
-              <a:schemeClr val="accent3"/>
-            </a:solidFill>
-            <a:prstDash val="dash"/>
-            <a:round/>
-            <a:headEnd type="none" w="med" len="med"/>
-            <a:tailEnd type="none" w="med" len="med"/>
-          </a:ln>
-        </p:spPr>
-        <p:style>
-          <a:lnRef idx="0">
-            <a:scrgbClr r="0" g="0" b="0"/>
-          </a:lnRef>
-          <a:fillRef idx="0">
-            <a:scrgbClr r="0" g="0" b="0"/>
-          </a:fillRef>
-          <a:effectRef idx="0">
-            <a:scrgbClr r="0" g="0" b="0"/>
-          </a:effectRef>
-          <a:fontRef idx="minor">
-            <a:schemeClr val="tx1"/>
-          </a:fontRef>
-        </p:style>
-      </p:cxnSp>
-      <p:cxnSp>
-        <p:nvCxnSpPr>
-          <p:cNvPr id="8" name="直接连接符 7">
-            <a:extLst>
-              <a:ext uri="{FF2B5EF4-FFF2-40B4-BE49-F238E27FC236}">
-                <a16:creationId xmlns:a16="http://schemas.microsoft.com/office/drawing/2014/main" id="{D10FD986-4144-4B64-83EB-5AE607E7235A}"/>
-              </a:ext>
-            </a:extLst>
-          </p:cNvPr>
-          <p:cNvCxnSpPr>
-            <a:cxnSpLocks/>
-          </p:cNvCxnSpPr>
-          <p:nvPr/>
-        </p:nvCxnSpPr>
-        <p:spPr>
-          <a:xfrm>
-            <a:off x="5731364" y="3541008"/>
-            <a:ext cx="0" cy="795150"/>
-          </a:xfrm>
-          <a:prstGeom prst="line">
-            <a:avLst/>
-          </a:prstGeom>
-          <a:ln w="19050" cap="flat" cmpd="sng" algn="ctr">
-            <a:solidFill>
-              <a:schemeClr val="accent3"/>
-            </a:solidFill>
-            <a:prstDash val="dash"/>
-            <a:round/>
-            <a:headEnd type="none" w="med" len="med"/>
-            <a:tailEnd type="none" w="med" len="med"/>
-          </a:ln>
-        </p:spPr>
-        <p:style>
-          <a:lnRef idx="0">
-            <a:scrgbClr r="0" g="0" b="0"/>
-          </a:lnRef>
-          <a:fillRef idx="0">
-            <a:scrgbClr r="0" g="0" b="0"/>
-          </a:fillRef>
-          <a:effectRef idx="0">
-            <a:scrgbClr r="0" g="0" b="0"/>
-          </a:effectRef>
-          <a:fontRef idx="minor">
-            <a:schemeClr val="tx1"/>
-          </a:fontRef>
-        </p:style>
-      </p:cxnSp>
-      <p:pic>
-        <p:nvPicPr>
-          <p:cNvPr id="10" name="图片 9">
-            <a:extLst>
-              <a:ext uri="{FF2B5EF4-FFF2-40B4-BE49-F238E27FC236}">
-                <a16:creationId xmlns:a16="http://schemas.microsoft.com/office/drawing/2014/main" id="{508F3E1A-E617-4802-B708-EC14431C548E}"/>
-              </a:ext>
-            </a:extLst>
-          </p:cNvPr>
-          <p:cNvPicPr>
-            <a:picLocks noChangeAspect="1"/>
-          </p:cNvPicPr>
-          <p:nvPr/>
-        </p:nvPicPr>
-        <p:blipFill>
-          <a:blip r:embed="rId3">
-            <a:extLst>
-              <a:ext uri="{28A0092B-C50C-407E-A947-70E740481C1C}">
-                <a14:useLocalDpi xmlns:a14="http://schemas.microsoft.com/office/drawing/2010/main" val="0"/>
-              </a:ext>
-            </a:extLst>
-          </a:blip>
-          <a:stretch>
-            <a:fillRect/>
-          </a:stretch>
-        </p:blipFill>
-        <p:spPr>
-          <a:xfrm>
-            <a:off x="5987380" y="4584634"/>
-            <a:ext cx="393747" cy="393747"/>
-          </a:xfrm>
-          <a:prstGeom prst="rect">
-            <a:avLst/>
-          </a:prstGeom>
-        </p:spPr>
-      </p:pic>
-      <p:pic>
-        <p:nvPicPr>
-          <p:cNvPr id="11" name="图片 10">
-            <a:extLst>
-              <a:ext uri="{FF2B5EF4-FFF2-40B4-BE49-F238E27FC236}">
-                <a16:creationId xmlns:a16="http://schemas.microsoft.com/office/drawing/2014/main" id="{E7994592-B356-4B2A-9EB6-284AAA3B994D}"/>
-              </a:ext>
-            </a:extLst>
-          </p:cNvPr>
-          <p:cNvPicPr>
-            <a:picLocks noChangeAspect="1"/>
-          </p:cNvPicPr>
-          <p:nvPr/>
-        </p:nvPicPr>
-        <p:blipFill>
-          <a:blip r:embed="rId4">
-            <a:extLst>
-              <a:ext uri="{28A0092B-C50C-407E-A947-70E740481C1C}">
-                <a14:useLocalDpi xmlns:a14="http://schemas.microsoft.com/office/drawing/2010/main" val="0"/>
-              </a:ext>
-            </a:extLst>
-          </a:blip>
-          <a:stretch>
-            <a:fillRect/>
-          </a:stretch>
-        </p:blipFill>
-        <p:spPr>
-          <a:xfrm>
-            <a:off x="6548972" y="290928"/>
-            <a:ext cx="393747" cy="393747"/>
-          </a:xfrm>
-          <a:prstGeom prst="rect">
-            <a:avLst/>
-          </a:prstGeom>
-        </p:spPr>
-      </p:pic>
-      <p:pic>
-        <p:nvPicPr>
-          <p:cNvPr id="12" name="图片 11">
-            <a:extLst>
-              <a:ext uri="{FF2B5EF4-FFF2-40B4-BE49-F238E27FC236}">
-                <a16:creationId xmlns:a16="http://schemas.microsoft.com/office/drawing/2014/main" id="{AC11C954-0521-4BF3-8E3A-D6DA53293B41}"/>
-              </a:ext>
-            </a:extLst>
-          </p:cNvPr>
-          <p:cNvPicPr>
-            <a:picLocks noChangeAspect="1"/>
-          </p:cNvPicPr>
-          <p:nvPr/>
-        </p:nvPicPr>
-        <p:blipFill>
-          <a:blip r:embed="rId5">
-            <a:extLst>
-              <a:ext uri="{28A0092B-C50C-407E-A947-70E740481C1C}">
-                <a14:useLocalDpi xmlns:a14="http://schemas.microsoft.com/office/drawing/2010/main" val="0"/>
-              </a:ext>
-            </a:extLst>
-          </a:blip>
-          <a:stretch>
-            <a:fillRect/>
-          </a:stretch>
-        </p:blipFill>
-        <p:spPr>
-          <a:xfrm>
-            <a:off x="3025965" y="1894653"/>
-            <a:ext cx="393747" cy="393747"/>
-          </a:xfrm>
-          <a:prstGeom prst="rect">
-            <a:avLst/>
-          </a:prstGeom>
-        </p:spPr>
-      </p:pic>
-      <p:pic>
-        <p:nvPicPr>
-          <p:cNvPr id="13" name="图片 12">
-            <a:extLst>
-              <a:ext uri="{FF2B5EF4-FFF2-40B4-BE49-F238E27FC236}">
-                <a16:creationId xmlns:a16="http://schemas.microsoft.com/office/drawing/2014/main" id="{DBA56C5B-7D5A-4639-99C6-AF47E6EC6A1C}"/>
-              </a:ext>
-            </a:extLst>
-          </p:cNvPr>
-          <p:cNvPicPr>
-            <a:picLocks noChangeAspect="1"/>
-          </p:cNvPicPr>
-          <p:nvPr/>
-        </p:nvPicPr>
-        <p:blipFill>
-          <a:blip r:embed="rId6">
-            <a:extLst>
-              <a:ext uri="{28A0092B-C50C-407E-A947-70E740481C1C}">
-                <a14:useLocalDpi xmlns:a14="http://schemas.microsoft.com/office/drawing/2010/main" val="0"/>
-              </a:ext>
-            </a:extLst>
-          </a:blip>
-          <a:stretch>
-            <a:fillRect/>
-          </a:stretch>
-        </p:blipFill>
-        <p:spPr>
-          <a:xfrm>
-            <a:off x="3032525" y="3054541"/>
-            <a:ext cx="393747" cy="393747"/>
-          </a:xfrm>
-          <a:prstGeom prst="rect">
-            <a:avLst/>
-          </a:prstGeom>
-        </p:spPr>
-      </p:pic>
-      <p:cxnSp>
-        <p:nvCxnSpPr>
-          <p:cNvPr id="14" name="直接连接符 13">
-            <a:extLst>
-              <a:ext uri="{FF2B5EF4-FFF2-40B4-BE49-F238E27FC236}">
-                <a16:creationId xmlns:a16="http://schemas.microsoft.com/office/drawing/2014/main" id="{B4FA74ED-6212-4126-9586-51EE5DB9360E}"/>
-              </a:ext>
-            </a:extLst>
-          </p:cNvPr>
-          <p:cNvCxnSpPr>
-            <a:cxnSpLocks/>
-          </p:cNvCxnSpPr>
-          <p:nvPr/>
-        </p:nvCxnSpPr>
-        <p:spPr>
-          <a:xfrm flipH="1" flipV="1">
-            <a:off x="6745850" y="702430"/>
-            <a:ext cx="1" cy="578981"/>
-          </a:xfrm>
-          <a:prstGeom prst="line">
-            <a:avLst/>
-          </a:prstGeom>
-          <a:ln w="19050" cap="flat" cmpd="sng" algn="ctr">
-            <a:solidFill>
-              <a:schemeClr val="accent3"/>
-            </a:solidFill>
-            <a:prstDash val="dash"/>
-            <a:round/>
-            <a:headEnd type="none" w="med" len="med"/>
-            <a:tailEnd type="none" w="med" len="med"/>
-          </a:ln>
-        </p:spPr>
-        <p:style>
-          <a:lnRef idx="0">
-            <a:scrgbClr r="0" g="0" b="0"/>
-          </a:lnRef>
-          <a:fillRef idx="0">
-            <a:scrgbClr r="0" g="0" b="0"/>
-          </a:fillRef>
-          <a:effectRef idx="0">
-            <a:scrgbClr r="0" g="0" b="0"/>
-          </a:effectRef>
-          <a:fontRef idx="minor">
-            <a:schemeClr val="tx1"/>
-          </a:fontRef>
-        </p:style>
-      </p:cxnSp>
-      <p:sp>
-        <p:nvSpPr>
-          <p:cNvPr id="18" name="椭圆 17">
-            <a:extLst>
-              <a:ext uri="{FF2B5EF4-FFF2-40B4-BE49-F238E27FC236}">
-                <a16:creationId xmlns:a16="http://schemas.microsoft.com/office/drawing/2014/main" id="{6438F705-A825-4E37-888D-4DAB7884C6D0}"/>
-              </a:ext>
-            </a:extLst>
-          </p:cNvPr>
-          <p:cNvSpPr>
-            <a:spLocks noChangeAspect="1"/>
-          </p:cNvSpPr>
-          <p:nvPr/>
-        </p:nvSpPr>
-        <p:spPr>
-          <a:xfrm>
-            <a:off x="4416029" y="2048898"/>
-            <a:ext cx="85259" cy="85259"/>
-          </a:xfrm>
-          <a:prstGeom prst="ellipse">
-            <a:avLst/>
-          </a:prstGeom>
-          <a:solidFill>
-            <a:srgbClr val="FFC000"/>
-          </a:solidFill>
-          <a:ln w="25400">
-            <a:solidFill>
-              <a:schemeClr val="bg1"/>
-            </a:solidFill>
-          </a:ln>
-        </p:spPr>
-        <p:style>
-          <a:lnRef idx="2">
-            <a:schemeClr val="accent1">
-              <a:shade val="50000"/>
-            </a:schemeClr>
-          </a:lnRef>
-          <a:fillRef idx="1">
-            <a:schemeClr val="accent1"/>
-          </a:fillRef>
-          <a:effectRef idx="0">
-            <a:schemeClr val="accent1"/>
-          </a:effectRef>
-          <a:fontRef idx="minor">
-            <a:schemeClr val="lt1"/>
-          </a:fontRef>
-        </p:style>
-        <p:txBody>
-          <a:bodyPr rtlCol="0" anchor="ctr"/>
-          <a:lstStyle/>
-          <a:p>
-            <a:pPr algn="ctr"/>
-            <a:endParaRPr lang="en-US">
-              <a:cs typeface="+mn-ea"/>
-            </a:endParaRPr>
-          </a:p>
-        </p:txBody>
-      </p:sp>
-      <p:sp>
-        <p:nvSpPr>
-          <p:cNvPr id="19" name="椭圆 18">
-            <a:extLst>
-              <a:ext uri="{FF2B5EF4-FFF2-40B4-BE49-F238E27FC236}">
-                <a16:creationId xmlns:a16="http://schemas.microsoft.com/office/drawing/2014/main" id="{46912687-9C1A-4DEF-955D-6723C8B014BA}"/>
-              </a:ext>
-            </a:extLst>
-          </p:cNvPr>
-          <p:cNvSpPr>
-            <a:spLocks noChangeAspect="1"/>
-          </p:cNvSpPr>
-          <p:nvPr/>
-        </p:nvSpPr>
-        <p:spPr>
-          <a:xfrm>
-            <a:off x="6703217" y="1264206"/>
-            <a:ext cx="85259" cy="85259"/>
-          </a:xfrm>
-          <a:prstGeom prst="ellipse">
-            <a:avLst/>
-          </a:prstGeom>
-          <a:solidFill>
-            <a:srgbClr val="FFC000"/>
-          </a:solidFill>
-          <a:ln w="25400">
-            <a:solidFill>
-              <a:schemeClr val="bg1"/>
-            </a:solidFill>
-          </a:ln>
-        </p:spPr>
-        <p:style>
-          <a:lnRef idx="2">
-            <a:schemeClr val="accent1">
-              <a:shade val="50000"/>
-            </a:schemeClr>
-          </a:lnRef>
-          <a:fillRef idx="1">
-            <a:schemeClr val="accent1"/>
-          </a:fillRef>
-          <a:effectRef idx="0">
-            <a:schemeClr val="accent1"/>
-          </a:effectRef>
-          <a:fontRef idx="minor">
-            <a:schemeClr val="lt1"/>
-          </a:fontRef>
-        </p:style>
-        <p:txBody>
-          <a:bodyPr rtlCol="0" anchor="ctr"/>
-          <a:lstStyle/>
-          <a:p>
-            <a:pPr algn="ctr"/>
-            <a:endParaRPr lang="en-US">
-              <a:cs typeface="+mn-ea"/>
-            </a:endParaRPr>
-          </a:p>
-        </p:txBody>
-      </p:sp>
-      <p:sp>
-        <p:nvSpPr>
-          <p:cNvPr id="20" name="椭圆 19">
-            <a:extLst>
-              <a:ext uri="{FF2B5EF4-FFF2-40B4-BE49-F238E27FC236}">
-                <a16:creationId xmlns:a16="http://schemas.microsoft.com/office/drawing/2014/main" id="{DB27BBCE-6112-4715-BC18-3DC5F74C62C8}"/>
-              </a:ext>
-            </a:extLst>
-          </p:cNvPr>
-          <p:cNvSpPr>
-            <a:spLocks noChangeAspect="1"/>
-          </p:cNvSpPr>
-          <p:nvPr/>
-        </p:nvSpPr>
-        <p:spPr>
-          <a:xfrm>
-            <a:off x="6585102" y="3498379"/>
-            <a:ext cx="85259" cy="85259"/>
-          </a:xfrm>
-          <a:prstGeom prst="ellipse">
-            <a:avLst/>
-          </a:prstGeom>
-          <a:solidFill>
-            <a:srgbClr val="FFC000"/>
-          </a:solidFill>
-          <a:ln w="25400">
-            <a:solidFill>
-              <a:schemeClr val="bg1"/>
-            </a:solidFill>
-          </a:ln>
-        </p:spPr>
-        <p:style>
-          <a:lnRef idx="2">
-            <a:schemeClr val="accent1">
-              <a:shade val="50000"/>
-            </a:schemeClr>
-          </a:lnRef>
-          <a:fillRef idx="1">
-            <a:schemeClr val="accent1"/>
-          </a:fillRef>
-          <a:effectRef idx="0">
-            <a:schemeClr val="accent1"/>
-          </a:effectRef>
-          <a:fontRef idx="minor">
-            <a:schemeClr val="lt1"/>
-          </a:fontRef>
-        </p:style>
-        <p:txBody>
-          <a:bodyPr rtlCol="0" anchor="ctr"/>
-          <a:lstStyle/>
-          <a:p>
-            <a:pPr algn="ctr"/>
-            <a:endParaRPr lang="en-US">
-              <a:cs typeface="+mn-ea"/>
-            </a:endParaRPr>
-          </a:p>
-        </p:txBody>
-      </p:sp>
-      <p:sp>
-        <p:nvSpPr>
-          <p:cNvPr id="21" name="椭圆 20">
-            <a:extLst>
-              <a:ext uri="{FF2B5EF4-FFF2-40B4-BE49-F238E27FC236}">
-                <a16:creationId xmlns:a16="http://schemas.microsoft.com/office/drawing/2014/main" id="{E7B7F82F-A5F5-4FD8-9EBD-7BF5A8F58B01}"/>
-              </a:ext>
-            </a:extLst>
-          </p:cNvPr>
-          <p:cNvSpPr>
-            <a:spLocks noChangeAspect="1"/>
-          </p:cNvSpPr>
-          <p:nvPr/>
-        </p:nvSpPr>
-        <p:spPr>
-          <a:xfrm>
-            <a:off x="4074850" y="3208786"/>
-            <a:ext cx="85259" cy="85259"/>
-          </a:xfrm>
-          <a:prstGeom prst="ellipse">
-            <a:avLst/>
-          </a:prstGeom>
-          <a:solidFill>
-            <a:srgbClr val="FFC000"/>
-          </a:solidFill>
-          <a:ln w="25400">
-            <a:solidFill>
-              <a:schemeClr val="bg1"/>
-            </a:solidFill>
-          </a:ln>
-        </p:spPr>
-        <p:style>
-          <a:lnRef idx="2">
-            <a:schemeClr val="accent1">
-              <a:shade val="50000"/>
-            </a:schemeClr>
-          </a:lnRef>
-          <a:fillRef idx="1">
-            <a:schemeClr val="accent1"/>
-          </a:fillRef>
-          <a:effectRef idx="0">
-            <a:schemeClr val="accent1"/>
-          </a:effectRef>
-          <a:fontRef idx="minor">
-            <a:schemeClr val="lt1"/>
-          </a:fontRef>
-        </p:style>
-        <p:txBody>
-          <a:bodyPr rtlCol="0" anchor="ctr"/>
-          <a:lstStyle/>
-          <a:p>
-            <a:pPr algn="ctr"/>
-            <a:endParaRPr lang="en-US">
-              <a:cs typeface="+mn-ea"/>
-            </a:endParaRPr>
-          </a:p>
-        </p:txBody>
-      </p:sp>
-      <p:sp>
-        <p:nvSpPr>
-          <p:cNvPr id="22" name="文本框 21">
-            <a:extLst>
-              <a:ext uri="{FF2B5EF4-FFF2-40B4-BE49-F238E27FC236}">
-                <a16:creationId xmlns:a16="http://schemas.microsoft.com/office/drawing/2014/main" id="{6F1D8D37-DB9D-4D6D-ABFF-701B208BECB2}"/>
-              </a:ext>
-            </a:extLst>
-          </p:cNvPr>
-          <p:cNvSpPr txBox="1"/>
-          <p:nvPr/>
-        </p:nvSpPr>
-        <p:spPr>
-          <a:xfrm>
-            <a:off x="3883179" y="5256588"/>
-            <a:ext cx="4663386" cy="2205732"/>
-          </a:xfrm>
-          <a:prstGeom prst="rect">
-            <a:avLst/>
-          </a:prstGeom>
-          <a:noFill/>
-        </p:spPr>
-        <p:txBody>
-          <a:bodyPr wrap="square" rtlCol="0">
-            <a:spAutoFit/>
-          </a:bodyPr>
-          <a:lstStyle/>
-          <a:p>
-            <a:pPr>
-              <a:lnSpc>
-                <a:spcPts val="2500"/>
-              </a:lnSpc>
-            </a:pPr>
-            <a:r>
-              <a:rPr lang="en-US" sz="1600" dirty="0">
-                <a:latin typeface="Leelawadee UI" panose="020B0502040204020203" pitchFamily="34" charset="-34"/>
-                <a:ea typeface="Microsoft JhengHei Light" panose="020B0304030504040204" pitchFamily="34" charset="-120"/>
-                <a:cs typeface="Leelawadee UI" panose="020B0502040204020203" pitchFamily="34" charset="-34"/>
-              </a:rPr>
-              <a:t>GND: connect this module </a:t>
-            </a:r>
-            <a:r>
-              <a:rPr lang="en-US" altLang="zh-CN" sz="1600" dirty="0">
-                <a:latin typeface="Leelawadee UI" panose="020B0502040204020203" pitchFamily="34" charset="-34"/>
-                <a:ea typeface="Microsoft JhengHei Light" panose="020B0304030504040204" pitchFamily="34" charset="-120"/>
-                <a:cs typeface="Leelawadee UI" panose="020B0502040204020203" pitchFamily="34" charset="-34"/>
-              </a:rPr>
-              <a:t>to</a:t>
-            </a:r>
-            <a:r>
-              <a:rPr lang="en-US" sz="1600" dirty="0">
-                <a:latin typeface="Leelawadee UI" panose="020B0502040204020203" pitchFamily="34" charset="-34"/>
-                <a:ea typeface="Microsoft JhengHei Light" panose="020B0304030504040204" pitchFamily="34" charset="-120"/>
-                <a:cs typeface="Leelawadee UI" panose="020B0502040204020203" pitchFamily="34" charset="-34"/>
-              </a:rPr>
-              <a:t> the system GND </a:t>
-            </a:r>
-          </a:p>
-          <a:p>
-            <a:pPr>
-              <a:lnSpc>
-                <a:spcPts val="2500"/>
-              </a:lnSpc>
-            </a:pPr>
-            <a:r>
-              <a:rPr lang="en-US" sz="1600" dirty="0">
-                <a:latin typeface="Leelawadee UI" panose="020B0502040204020203" pitchFamily="34" charset="-34"/>
-                <a:ea typeface="Microsoft JhengHei Light" panose="020B0304030504040204" pitchFamily="34" charset="-120"/>
-                <a:cs typeface="Leelawadee UI" panose="020B0502040204020203" pitchFamily="34" charset="-34"/>
-              </a:rPr>
-              <a:t>VCC: you can use 5V or 3.3V for this module</a:t>
-            </a:r>
-          </a:p>
-          <a:p>
-            <a:pPr>
-              <a:lnSpc>
-                <a:spcPts val="2500"/>
-              </a:lnSpc>
-            </a:pPr>
-            <a:r>
-              <a:rPr lang="en-US" sz="1600" dirty="0">
-                <a:latin typeface="Leelawadee UI" panose="020B0502040204020203" pitchFamily="34" charset="-34"/>
-                <a:ea typeface="Microsoft JhengHei Light" panose="020B0304030504040204" pitchFamily="34" charset="-120"/>
-                <a:cs typeface="Leelawadee UI" panose="020B0502040204020203" pitchFamily="34" charset="-34"/>
-              </a:rPr>
-              <a:t>NC: </a:t>
-            </a:r>
-            <a:r>
-              <a:rPr lang="en-US" altLang="zh-CN" sz="1600" dirty="0">
-                <a:latin typeface="Leelawadee UI" panose="020B0502040204020203" pitchFamily="34" charset="-34"/>
-                <a:ea typeface="Microsoft JhengHei Light" panose="020B0304030504040204" pitchFamily="34" charset="-120"/>
-                <a:cs typeface="Leelawadee UI" panose="020B0502040204020203" pitchFamily="34" charset="-34"/>
-              </a:rPr>
-              <a:t>not connected</a:t>
-            </a:r>
-            <a:endParaRPr lang="en-US" sz="1600" dirty="0">
-              <a:latin typeface="Leelawadee UI" panose="020B0502040204020203" pitchFamily="34" charset="-34"/>
-              <a:ea typeface="Microsoft JhengHei Light" panose="020B0304030504040204" pitchFamily="34" charset="-120"/>
-              <a:cs typeface="Leelawadee UI" panose="020B0502040204020203" pitchFamily="34" charset="-34"/>
-            </a:endParaRPr>
-          </a:p>
-          <a:p>
-            <a:pPr>
-              <a:lnSpc>
-                <a:spcPts val="2500"/>
-              </a:lnSpc>
-            </a:pPr>
-            <a:r>
-              <a:rPr lang="en-US" sz="1600" dirty="0">
-                <a:latin typeface="Leelawadee UI" panose="020B0502040204020203" pitchFamily="34" charset="-34"/>
-                <a:ea typeface="Microsoft JhengHei Light" panose="020B0304030504040204" pitchFamily="34" charset="-120"/>
-                <a:cs typeface="Leelawadee UI" panose="020B0502040204020203" pitchFamily="34" charset="-34"/>
-              </a:rPr>
-              <a:t>CTR: control signal, high-close/low open</a:t>
-            </a:r>
-          </a:p>
-          <a:p>
-            <a:endParaRPr lang="en-US" sz="1200" dirty="0">
-              <a:solidFill>
-                <a:srgbClr val="D4D4D4"/>
-              </a:solidFill>
-              <a:latin typeface="Consolas" panose="020B0609020204030204" pitchFamily="49" charset="0"/>
-            </a:endParaRPr>
-          </a:p>
-          <a:p>
-            <a:endParaRPr lang="en-US" sz="1200" dirty="0">
-              <a:latin typeface="Times New Roman" panose="02020603050405020304" pitchFamily="18" charset="0"/>
-              <a:cs typeface="Times New Roman" panose="02020603050405020304" pitchFamily="18" charset="0"/>
-            </a:endParaRPr>
-          </a:p>
-          <a:p>
-            <a:endParaRPr lang="en-US" sz="1200" dirty="0">
-              <a:latin typeface="Times New Roman" panose="02020603050405020304" pitchFamily="18" charset="0"/>
-              <a:cs typeface="Times New Roman" panose="02020603050405020304" pitchFamily="18" charset="0"/>
-            </a:endParaRPr>
-          </a:p>
-          <a:p>
-            <a:endParaRPr lang="en-US" dirty="0"/>
-          </a:p>
-        </p:txBody>
-      </p:sp>
-      <p:pic>
-        <p:nvPicPr>
-          <p:cNvPr id="23" name="图片 22">
-            <a:extLst>
-              <a:ext uri="{FF2B5EF4-FFF2-40B4-BE49-F238E27FC236}">
-                <a16:creationId xmlns:a16="http://schemas.microsoft.com/office/drawing/2014/main" id="{414AE8AF-CBE4-4BFD-AFAF-07DC5B52EFCC}"/>
-              </a:ext>
-            </a:extLst>
-          </p:cNvPr>
-          <p:cNvPicPr>
-            <a:picLocks noChangeAspect="1"/>
-          </p:cNvPicPr>
-          <p:nvPr/>
-        </p:nvPicPr>
-        <p:blipFill>
-          <a:blip r:embed="rId3">
-            <a:extLst>
-              <a:ext uri="{28A0092B-C50C-407E-A947-70E740481C1C}">
-                <a14:useLocalDpi xmlns:a14="http://schemas.microsoft.com/office/drawing/2010/main" val="0"/>
-              </a:ext>
-            </a:extLst>
-          </a:blip>
-          <a:stretch>
-            <a:fillRect/>
-          </a:stretch>
-        </p:blipFill>
-        <p:spPr>
-          <a:xfrm>
-            <a:off x="3680033" y="5651414"/>
+            <a:off x="5315882" y="2080882"/>
             <a:ext cx="266700" cy="266700"/>
           </a:xfrm>
           <a:prstGeom prst="rect">
@@ -4118,7 +3581,7 @@
           <p:nvPr/>
         </p:nvPicPr>
         <p:blipFill>
-          <a:blip r:embed="rId4">
+          <a:blip r:embed="rId3">
             <a:extLst>
               <a:ext uri="{28A0092B-C50C-407E-A947-70E740481C1C}">
                 <a14:useLocalDpi xmlns:a14="http://schemas.microsoft.com/office/drawing/2010/main" val="0"/>
@@ -4131,7 +3594,7 @@
         </p:blipFill>
         <p:spPr>
           <a:xfrm>
-            <a:off x="3680033" y="5335109"/>
+            <a:off x="5315882" y="1764577"/>
             <a:ext cx="266700" cy="266700"/>
           </a:xfrm>
           <a:prstGeom prst="rect">
@@ -4154,7 +3617,7 @@
           <p:nvPr/>
         </p:nvPicPr>
         <p:blipFill>
-          <a:blip r:embed="rId5">
+          <a:blip r:embed="rId4">
             <a:extLst>
               <a:ext uri="{28A0092B-C50C-407E-A947-70E740481C1C}">
                 <a14:useLocalDpi xmlns:a14="http://schemas.microsoft.com/office/drawing/2010/main" val="0"/>
@@ -4167,7 +3630,7 @@
         </p:blipFill>
         <p:spPr>
           <a:xfrm>
-            <a:off x="3680033" y="6284027"/>
+            <a:off x="5315882" y="2713495"/>
             <a:ext cx="266700" cy="266700"/>
           </a:xfrm>
           <a:prstGeom prst="rect">
@@ -4190,7 +3653,7 @@
           <p:nvPr/>
         </p:nvPicPr>
         <p:blipFill>
-          <a:blip r:embed="rId6">
+          <a:blip r:embed="rId5">
             <a:extLst>
               <a:ext uri="{28A0092B-C50C-407E-A947-70E740481C1C}">
                 <a14:useLocalDpi xmlns:a14="http://schemas.microsoft.com/office/drawing/2010/main" val="0"/>
@@ -4203,7 +3666,7 @@
         </p:blipFill>
         <p:spPr>
           <a:xfrm>
-            <a:off x="3680033" y="5967721"/>
+            <a:off x="5315882" y="2397189"/>
             <a:ext cx="266700" cy="266700"/>
           </a:xfrm>
           <a:prstGeom prst="rect">
@@ -4211,205 +3674,828 @@
           </a:prstGeom>
         </p:spPr>
       </p:pic>
-      <p:cxnSp>
-        <p:nvCxnSpPr>
-          <p:cNvPr id="30" name="直接连接符 29">
-            <a:extLst>
-              <a:ext uri="{FF2B5EF4-FFF2-40B4-BE49-F238E27FC236}">
-                <a16:creationId xmlns:a16="http://schemas.microsoft.com/office/drawing/2014/main" id="{60A30C69-A49A-4339-B27B-C3BE7B84BB9D}"/>
-              </a:ext>
-            </a:extLst>
-          </p:cNvPr>
-          <p:cNvCxnSpPr>
-            <a:cxnSpLocks/>
-          </p:cNvCxnSpPr>
+      <p:grpSp>
+        <p:nvGrpSpPr>
+          <p:cNvPr id="2" name="组合 1">
+            <a:extLst>
+              <a:ext uri="{FF2B5EF4-FFF2-40B4-BE49-F238E27FC236}">
+                <a16:creationId xmlns:a16="http://schemas.microsoft.com/office/drawing/2014/main" id="{4D80036A-70B2-4E44-8891-3EC714CBD1B5}"/>
+              </a:ext>
+            </a:extLst>
+          </p:cNvPr>
+          <p:cNvGrpSpPr>
+            <a:grpSpLocks noChangeAspect="1"/>
+          </p:cNvGrpSpPr>
           <p:nvPr/>
-        </p:nvCxnSpPr>
-        <p:spPr>
+        </p:nvGrpSpPr>
+        <p:grpSpPr>
           <a:xfrm>
-            <a:off x="6627732" y="3583638"/>
-            <a:ext cx="0" cy="752520"/>
+            <a:off x="1027484" y="316637"/>
+            <a:ext cx="4675734" cy="4161104"/>
+            <a:chOff x="3025965" y="290928"/>
+            <a:chExt cx="5267180" cy="4687453"/>
           </a:xfrm>
-          <a:prstGeom prst="line">
-            <a:avLst/>
-          </a:prstGeom>
-          <a:ln w="19050" cap="flat" cmpd="sng" algn="ctr">
+        </p:grpSpPr>
+        <p:pic>
+          <p:nvPicPr>
+            <p:cNvPr id="52" name="图片 51">
+              <a:extLst>
+                <a:ext uri="{FF2B5EF4-FFF2-40B4-BE49-F238E27FC236}">
+                  <a16:creationId xmlns:a16="http://schemas.microsoft.com/office/drawing/2014/main" id="{41E070C8-7BD6-4605-A81F-23316E59B87B}"/>
+                </a:ext>
+              </a:extLst>
+            </p:cNvPr>
+            <p:cNvPicPr>
+              <a:picLocks noChangeAspect="1"/>
+            </p:cNvPicPr>
+            <p:nvPr/>
+          </p:nvPicPr>
+          <p:blipFill>
+            <a:blip r:embed="rId6">
+              <a:extLst>
+                <a:ext uri="{28A0092B-C50C-407E-A947-70E740481C1C}">
+                  <a14:useLocalDpi xmlns:a14="http://schemas.microsoft.com/office/drawing/2010/main" val="0"/>
+                </a:ext>
+              </a:extLst>
+            </a:blip>
+            <a:stretch>
+              <a:fillRect/>
+            </a:stretch>
+          </p:blipFill>
+          <p:spPr>
+            <a:xfrm>
+              <a:off x="3032525" y="561489"/>
+              <a:ext cx="5260620" cy="3945465"/>
+            </a:xfrm>
+            <a:prstGeom prst="rect">
+              <a:avLst/>
+            </a:prstGeom>
+          </p:spPr>
+        </p:pic>
+        <p:cxnSp>
+          <p:nvCxnSpPr>
+            <p:cNvPr id="6" name="直接连接符 5">
+              <a:extLst>
+                <a:ext uri="{FF2B5EF4-FFF2-40B4-BE49-F238E27FC236}">
+                  <a16:creationId xmlns:a16="http://schemas.microsoft.com/office/drawing/2014/main" id="{33756AE6-8C78-4F38-8EA9-C0DECC91B8EB}"/>
+                </a:ext>
+              </a:extLst>
+            </p:cNvPr>
+            <p:cNvCxnSpPr>
+              <a:cxnSpLocks/>
+            </p:cNvCxnSpPr>
+            <p:nvPr/>
+          </p:nvCxnSpPr>
+          <p:spPr>
+            <a:xfrm>
+              <a:off x="3419712" y="2081137"/>
+              <a:ext cx="1005040" cy="0"/>
+            </a:xfrm>
+            <a:prstGeom prst="line">
+              <a:avLst/>
+            </a:prstGeom>
+            <a:ln w="19050" cap="flat" cmpd="sng" algn="ctr">
+              <a:solidFill>
+                <a:schemeClr val="accent3"/>
+              </a:solidFill>
+              <a:prstDash val="dash"/>
+              <a:round/>
+              <a:headEnd type="none" w="med" len="med"/>
+              <a:tailEnd type="none" w="med" len="med"/>
+            </a:ln>
+          </p:spPr>
+          <p:style>
+            <a:lnRef idx="0">
+              <a:scrgbClr r="0" g="0" b="0"/>
+            </a:lnRef>
+            <a:fillRef idx="0">
+              <a:scrgbClr r="0" g="0" b="0"/>
+            </a:fillRef>
+            <a:effectRef idx="0">
+              <a:scrgbClr r="0" g="0" b="0"/>
+            </a:effectRef>
+            <a:fontRef idx="minor">
+              <a:schemeClr val="tx1"/>
+            </a:fontRef>
+          </p:style>
+        </p:cxnSp>
+        <p:cxnSp>
+          <p:nvCxnSpPr>
+            <p:cNvPr id="7" name="直接连接符 6">
+              <a:extLst>
+                <a:ext uri="{FF2B5EF4-FFF2-40B4-BE49-F238E27FC236}">
+                  <a16:creationId xmlns:a16="http://schemas.microsoft.com/office/drawing/2014/main" id="{2B5540B3-D15C-43A8-A813-D0C4D3D7E011}"/>
+                </a:ext>
+              </a:extLst>
+            </p:cNvPr>
+            <p:cNvCxnSpPr>
+              <a:cxnSpLocks/>
+            </p:cNvCxnSpPr>
+            <p:nvPr/>
+          </p:nvCxnSpPr>
+          <p:spPr>
+            <a:xfrm flipH="1">
+              <a:off x="3357048" y="3257384"/>
+              <a:ext cx="717802" cy="0"/>
+            </a:xfrm>
+            <a:prstGeom prst="line">
+              <a:avLst/>
+            </a:prstGeom>
+            <a:ln w="19050" cap="flat" cmpd="sng" algn="ctr">
+              <a:solidFill>
+                <a:schemeClr val="accent3"/>
+              </a:solidFill>
+              <a:prstDash val="dash"/>
+              <a:round/>
+              <a:headEnd type="none" w="med" len="med"/>
+              <a:tailEnd type="none" w="med" len="med"/>
+            </a:ln>
+          </p:spPr>
+          <p:style>
+            <a:lnRef idx="0">
+              <a:scrgbClr r="0" g="0" b="0"/>
+            </a:lnRef>
+            <a:fillRef idx="0">
+              <a:scrgbClr r="0" g="0" b="0"/>
+            </a:fillRef>
+            <a:effectRef idx="0">
+              <a:scrgbClr r="0" g="0" b="0"/>
+            </a:effectRef>
+            <a:fontRef idx="minor">
+              <a:schemeClr val="tx1"/>
+            </a:fontRef>
+          </p:style>
+        </p:cxnSp>
+        <p:cxnSp>
+          <p:nvCxnSpPr>
+            <p:cNvPr id="8" name="直接连接符 7">
+              <a:extLst>
+                <a:ext uri="{FF2B5EF4-FFF2-40B4-BE49-F238E27FC236}">
+                  <a16:creationId xmlns:a16="http://schemas.microsoft.com/office/drawing/2014/main" id="{D10FD986-4144-4B64-83EB-5AE607E7235A}"/>
+                </a:ext>
+              </a:extLst>
+            </p:cNvPr>
+            <p:cNvCxnSpPr>
+              <a:cxnSpLocks/>
+            </p:cNvCxnSpPr>
+            <p:nvPr/>
+          </p:nvCxnSpPr>
+          <p:spPr>
+            <a:xfrm>
+              <a:off x="5731364" y="3541008"/>
+              <a:ext cx="0" cy="795150"/>
+            </a:xfrm>
+            <a:prstGeom prst="line">
+              <a:avLst/>
+            </a:prstGeom>
+            <a:ln w="19050" cap="flat" cmpd="sng" algn="ctr">
+              <a:solidFill>
+                <a:schemeClr val="accent3"/>
+              </a:solidFill>
+              <a:prstDash val="dash"/>
+              <a:round/>
+              <a:headEnd type="none" w="med" len="med"/>
+              <a:tailEnd type="none" w="med" len="med"/>
+            </a:ln>
+          </p:spPr>
+          <p:style>
+            <a:lnRef idx="0">
+              <a:scrgbClr r="0" g="0" b="0"/>
+            </a:lnRef>
+            <a:fillRef idx="0">
+              <a:scrgbClr r="0" g="0" b="0"/>
+            </a:fillRef>
+            <a:effectRef idx="0">
+              <a:scrgbClr r="0" g="0" b="0"/>
+            </a:effectRef>
+            <a:fontRef idx="minor">
+              <a:schemeClr val="tx1"/>
+            </a:fontRef>
+          </p:style>
+        </p:cxnSp>
+        <p:pic>
+          <p:nvPicPr>
+            <p:cNvPr id="10" name="图片 9">
+              <a:extLst>
+                <a:ext uri="{FF2B5EF4-FFF2-40B4-BE49-F238E27FC236}">
+                  <a16:creationId xmlns:a16="http://schemas.microsoft.com/office/drawing/2014/main" id="{508F3E1A-E617-4802-B708-EC14431C548E}"/>
+                </a:ext>
+              </a:extLst>
+            </p:cNvPr>
+            <p:cNvPicPr>
+              <a:picLocks noChangeAspect="1"/>
+            </p:cNvPicPr>
+            <p:nvPr/>
+          </p:nvPicPr>
+          <p:blipFill>
+            <a:blip r:embed="rId2">
+              <a:extLst>
+                <a:ext uri="{28A0092B-C50C-407E-A947-70E740481C1C}">
+                  <a14:useLocalDpi xmlns:a14="http://schemas.microsoft.com/office/drawing/2010/main" val="0"/>
+                </a:ext>
+              </a:extLst>
+            </a:blip>
+            <a:stretch>
+              <a:fillRect/>
+            </a:stretch>
+          </p:blipFill>
+          <p:spPr>
+            <a:xfrm>
+              <a:off x="5987380" y="4584634"/>
+              <a:ext cx="393747" cy="393747"/>
+            </a:xfrm>
+            <a:prstGeom prst="rect">
+              <a:avLst/>
+            </a:prstGeom>
+          </p:spPr>
+        </p:pic>
+        <p:pic>
+          <p:nvPicPr>
+            <p:cNvPr id="11" name="图片 10">
+              <a:extLst>
+                <a:ext uri="{FF2B5EF4-FFF2-40B4-BE49-F238E27FC236}">
+                  <a16:creationId xmlns:a16="http://schemas.microsoft.com/office/drawing/2014/main" id="{E7994592-B356-4B2A-9EB6-284AAA3B994D}"/>
+                </a:ext>
+              </a:extLst>
+            </p:cNvPr>
+            <p:cNvPicPr>
+              <a:picLocks noChangeAspect="1"/>
+            </p:cNvPicPr>
+            <p:nvPr/>
+          </p:nvPicPr>
+          <p:blipFill>
+            <a:blip r:embed="rId3">
+              <a:extLst>
+                <a:ext uri="{28A0092B-C50C-407E-A947-70E740481C1C}">
+                  <a14:useLocalDpi xmlns:a14="http://schemas.microsoft.com/office/drawing/2010/main" val="0"/>
+                </a:ext>
+              </a:extLst>
+            </a:blip>
+            <a:stretch>
+              <a:fillRect/>
+            </a:stretch>
+          </p:blipFill>
+          <p:spPr>
+            <a:xfrm>
+              <a:off x="6548972" y="290928"/>
+              <a:ext cx="393747" cy="393747"/>
+            </a:xfrm>
+            <a:prstGeom prst="rect">
+              <a:avLst/>
+            </a:prstGeom>
+          </p:spPr>
+        </p:pic>
+        <p:pic>
+          <p:nvPicPr>
+            <p:cNvPr id="12" name="图片 11">
+              <a:extLst>
+                <a:ext uri="{FF2B5EF4-FFF2-40B4-BE49-F238E27FC236}">
+                  <a16:creationId xmlns:a16="http://schemas.microsoft.com/office/drawing/2014/main" id="{AC11C954-0521-4BF3-8E3A-D6DA53293B41}"/>
+                </a:ext>
+              </a:extLst>
+            </p:cNvPr>
+            <p:cNvPicPr>
+              <a:picLocks noChangeAspect="1"/>
+            </p:cNvPicPr>
+            <p:nvPr/>
+          </p:nvPicPr>
+          <p:blipFill>
+            <a:blip r:embed="rId4">
+              <a:extLst>
+                <a:ext uri="{28A0092B-C50C-407E-A947-70E740481C1C}">
+                  <a14:useLocalDpi xmlns:a14="http://schemas.microsoft.com/office/drawing/2010/main" val="0"/>
+                </a:ext>
+              </a:extLst>
+            </a:blip>
+            <a:stretch>
+              <a:fillRect/>
+            </a:stretch>
+          </p:blipFill>
+          <p:spPr>
+            <a:xfrm>
+              <a:off x="3025965" y="1894653"/>
+              <a:ext cx="393747" cy="393747"/>
+            </a:xfrm>
+            <a:prstGeom prst="rect">
+              <a:avLst/>
+            </a:prstGeom>
+          </p:spPr>
+        </p:pic>
+        <p:pic>
+          <p:nvPicPr>
+            <p:cNvPr id="13" name="图片 12">
+              <a:extLst>
+                <a:ext uri="{FF2B5EF4-FFF2-40B4-BE49-F238E27FC236}">
+                  <a16:creationId xmlns:a16="http://schemas.microsoft.com/office/drawing/2014/main" id="{DBA56C5B-7D5A-4639-99C6-AF47E6EC6A1C}"/>
+                </a:ext>
+              </a:extLst>
+            </p:cNvPr>
+            <p:cNvPicPr>
+              <a:picLocks noChangeAspect="1"/>
+            </p:cNvPicPr>
+            <p:nvPr/>
+          </p:nvPicPr>
+          <p:blipFill>
+            <a:blip r:embed="rId5">
+              <a:extLst>
+                <a:ext uri="{28A0092B-C50C-407E-A947-70E740481C1C}">
+                  <a14:useLocalDpi xmlns:a14="http://schemas.microsoft.com/office/drawing/2010/main" val="0"/>
+                </a:ext>
+              </a:extLst>
+            </a:blip>
+            <a:stretch>
+              <a:fillRect/>
+            </a:stretch>
+          </p:blipFill>
+          <p:spPr>
+            <a:xfrm>
+              <a:off x="3032525" y="3054541"/>
+              <a:ext cx="393747" cy="393747"/>
+            </a:xfrm>
+            <a:prstGeom prst="rect">
+              <a:avLst/>
+            </a:prstGeom>
+          </p:spPr>
+        </p:pic>
+        <p:cxnSp>
+          <p:nvCxnSpPr>
+            <p:cNvPr id="14" name="直接连接符 13">
+              <a:extLst>
+                <a:ext uri="{FF2B5EF4-FFF2-40B4-BE49-F238E27FC236}">
+                  <a16:creationId xmlns:a16="http://schemas.microsoft.com/office/drawing/2014/main" id="{B4FA74ED-6212-4126-9586-51EE5DB9360E}"/>
+                </a:ext>
+              </a:extLst>
+            </p:cNvPr>
+            <p:cNvCxnSpPr>
+              <a:cxnSpLocks/>
+            </p:cNvCxnSpPr>
+            <p:nvPr/>
+          </p:nvCxnSpPr>
+          <p:spPr>
+            <a:xfrm flipH="1" flipV="1">
+              <a:off x="6745850" y="702430"/>
+              <a:ext cx="1" cy="578981"/>
+            </a:xfrm>
+            <a:prstGeom prst="line">
+              <a:avLst/>
+            </a:prstGeom>
+            <a:ln w="19050" cap="flat" cmpd="sng" algn="ctr">
+              <a:solidFill>
+                <a:schemeClr val="accent3"/>
+              </a:solidFill>
+              <a:prstDash val="dash"/>
+              <a:round/>
+              <a:headEnd type="none" w="med" len="med"/>
+              <a:tailEnd type="none" w="med" len="med"/>
+            </a:ln>
+          </p:spPr>
+          <p:style>
+            <a:lnRef idx="0">
+              <a:scrgbClr r="0" g="0" b="0"/>
+            </a:lnRef>
+            <a:fillRef idx="0">
+              <a:scrgbClr r="0" g="0" b="0"/>
+            </a:fillRef>
+            <a:effectRef idx="0">
+              <a:scrgbClr r="0" g="0" b="0"/>
+            </a:effectRef>
+            <a:fontRef idx="minor">
+              <a:schemeClr val="tx1"/>
+            </a:fontRef>
+          </p:style>
+        </p:cxnSp>
+        <p:sp>
+          <p:nvSpPr>
+            <p:cNvPr id="18" name="椭圆 17">
+              <a:extLst>
+                <a:ext uri="{FF2B5EF4-FFF2-40B4-BE49-F238E27FC236}">
+                  <a16:creationId xmlns:a16="http://schemas.microsoft.com/office/drawing/2014/main" id="{6438F705-A825-4E37-888D-4DAB7884C6D0}"/>
+                </a:ext>
+              </a:extLst>
+            </p:cNvPr>
+            <p:cNvSpPr>
+              <a:spLocks noChangeAspect="1"/>
+            </p:cNvSpPr>
+            <p:nvPr/>
+          </p:nvSpPr>
+          <p:spPr>
+            <a:xfrm>
+              <a:off x="4416029" y="2048898"/>
+              <a:ext cx="85259" cy="85259"/>
+            </a:xfrm>
+            <a:prstGeom prst="ellipse">
+              <a:avLst/>
+            </a:prstGeom>
             <a:solidFill>
-              <a:schemeClr val="accent3"/>
+              <a:srgbClr val="FFC000"/>
             </a:solidFill>
-            <a:prstDash val="dash"/>
-            <a:round/>
-            <a:headEnd type="none" w="med" len="med"/>
-            <a:tailEnd type="none" w="med" len="med"/>
-          </a:ln>
-        </p:spPr>
-        <p:style>
-          <a:lnRef idx="0">
-            <a:scrgbClr r="0" g="0" b="0"/>
-          </a:lnRef>
-          <a:fillRef idx="0">
-            <a:scrgbClr r="0" g="0" b="0"/>
-          </a:fillRef>
-          <a:effectRef idx="0">
-            <a:scrgbClr r="0" g="0" b="0"/>
-          </a:effectRef>
-          <a:fontRef idx="minor">
-            <a:schemeClr val="tx1"/>
-          </a:fontRef>
-        </p:style>
-      </p:cxnSp>
-      <p:sp>
-        <p:nvSpPr>
-          <p:cNvPr id="33" name="椭圆 32">
-            <a:extLst>
-              <a:ext uri="{FF2B5EF4-FFF2-40B4-BE49-F238E27FC236}">
-                <a16:creationId xmlns:a16="http://schemas.microsoft.com/office/drawing/2014/main" id="{8200F1B3-2D91-425E-A2C6-3720F96CEF02}"/>
-              </a:ext>
-            </a:extLst>
-          </p:cNvPr>
-          <p:cNvSpPr>
-            <a:spLocks noChangeAspect="1"/>
-          </p:cNvSpPr>
-          <p:nvPr/>
-        </p:nvSpPr>
-        <p:spPr>
-          <a:xfrm>
-            <a:off x="5688735" y="3498379"/>
-            <a:ext cx="85259" cy="85259"/>
-          </a:xfrm>
-          <a:prstGeom prst="ellipse">
-            <a:avLst/>
-          </a:prstGeom>
-          <a:solidFill>
-            <a:srgbClr val="FFC000"/>
-          </a:solidFill>
-          <a:ln w="25400">
+            <a:ln w="25400">
+              <a:solidFill>
+                <a:schemeClr val="bg1"/>
+              </a:solidFill>
+            </a:ln>
+          </p:spPr>
+          <p:style>
+            <a:lnRef idx="2">
+              <a:schemeClr val="accent1">
+                <a:shade val="50000"/>
+              </a:schemeClr>
+            </a:lnRef>
+            <a:fillRef idx="1">
+              <a:schemeClr val="accent1"/>
+            </a:fillRef>
+            <a:effectRef idx="0">
+              <a:schemeClr val="accent1"/>
+            </a:effectRef>
+            <a:fontRef idx="minor">
+              <a:schemeClr val="lt1"/>
+            </a:fontRef>
+          </p:style>
+          <p:txBody>
+            <a:bodyPr rtlCol="0" anchor="ctr"/>
+            <a:lstStyle/>
+            <a:p>
+              <a:pPr algn="ctr"/>
+              <a:endParaRPr lang="en-US">
+                <a:cs typeface="+mn-ea"/>
+              </a:endParaRPr>
+            </a:p>
+          </p:txBody>
+        </p:sp>
+        <p:sp>
+          <p:nvSpPr>
+            <p:cNvPr id="19" name="椭圆 18">
+              <a:extLst>
+                <a:ext uri="{FF2B5EF4-FFF2-40B4-BE49-F238E27FC236}">
+                  <a16:creationId xmlns:a16="http://schemas.microsoft.com/office/drawing/2014/main" id="{46912687-9C1A-4DEF-955D-6723C8B014BA}"/>
+                </a:ext>
+              </a:extLst>
+            </p:cNvPr>
+            <p:cNvSpPr>
+              <a:spLocks noChangeAspect="1"/>
+            </p:cNvSpPr>
+            <p:nvPr/>
+          </p:nvSpPr>
+          <p:spPr>
+            <a:xfrm>
+              <a:off x="6703217" y="1264206"/>
+              <a:ext cx="85259" cy="85259"/>
+            </a:xfrm>
+            <a:prstGeom prst="ellipse">
+              <a:avLst/>
+            </a:prstGeom>
             <a:solidFill>
-              <a:schemeClr val="bg1"/>
+              <a:srgbClr val="FFC000"/>
             </a:solidFill>
-          </a:ln>
-        </p:spPr>
-        <p:style>
-          <a:lnRef idx="2">
-            <a:schemeClr val="accent1">
-              <a:shade val="50000"/>
-            </a:schemeClr>
-          </a:lnRef>
-          <a:fillRef idx="1">
-            <a:schemeClr val="accent1"/>
-          </a:fillRef>
-          <a:effectRef idx="0">
-            <a:schemeClr val="accent1"/>
-          </a:effectRef>
-          <a:fontRef idx="minor">
-            <a:schemeClr val="lt1"/>
-          </a:fontRef>
-        </p:style>
-        <p:txBody>
-          <a:bodyPr rtlCol="0" anchor="ctr"/>
-          <a:lstStyle/>
-          <a:p>
-            <a:pPr algn="ctr"/>
-            <a:endParaRPr lang="en-US">
-              <a:cs typeface="+mn-ea"/>
-            </a:endParaRPr>
-          </a:p>
-        </p:txBody>
-      </p:sp>
-      <p:cxnSp>
-        <p:nvCxnSpPr>
-          <p:cNvPr id="34" name="直接连接符 33">
-            <a:extLst>
-              <a:ext uri="{FF2B5EF4-FFF2-40B4-BE49-F238E27FC236}">
-                <a16:creationId xmlns:a16="http://schemas.microsoft.com/office/drawing/2014/main" id="{EC8113DA-FDBF-4DA6-9E59-72A3C4D25C9E}"/>
-              </a:ext>
-            </a:extLst>
-          </p:cNvPr>
-          <p:cNvCxnSpPr>
-            <a:cxnSpLocks/>
-          </p:cNvCxnSpPr>
-          <p:nvPr/>
-        </p:nvCxnSpPr>
-        <p:spPr>
-          <a:xfrm>
-            <a:off x="6184254" y="4318402"/>
-            <a:ext cx="0" cy="294223"/>
-          </a:xfrm>
-          <a:prstGeom prst="line">
-            <a:avLst/>
-          </a:prstGeom>
-          <a:ln w="19050" cap="flat" cmpd="sng" algn="ctr">
+            <a:ln w="25400">
+              <a:solidFill>
+                <a:schemeClr val="bg1"/>
+              </a:solidFill>
+            </a:ln>
+          </p:spPr>
+          <p:style>
+            <a:lnRef idx="2">
+              <a:schemeClr val="accent1">
+                <a:shade val="50000"/>
+              </a:schemeClr>
+            </a:lnRef>
+            <a:fillRef idx="1">
+              <a:schemeClr val="accent1"/>
+            </a:fillRef>
+            <a:effectRef idx="0">
+              <a:schemeClr val="accent1"/>
+            </a:effectRef>
+            <a:fontRef idx="minor">
+              <a:schemeClr val="lt1"/>
+            </a:fontRef>
+          </p:style>
+          <p:txBody>
+            <a:bodyPr rtlCol="0" anchor="ctr"/>
+            <a:lstStyle/>
+            <a:p>
+              <a:pPr algn="ctr"/>
+              <a:endParaRPr lang="en-US">
+                <a:cs typeface="+mn-ea"/>
+              </a:endParaRPr>
+            </a:p>
+          </p:txBody>
+        </p:sp>
+        <p:sp>
+          <p:nvSpPr>
+            <p:cNvPr id="20" name="椭圆 19">
+              <a:extLst>
+                <a:ext uri="{FF2B5EF4-FFF2-40B4-BE49-F238E27FC236}">
+                  <a16:creationId xmlns:a16="http://schemas.microsoft.com/office/drawing/2014/main" id="{DB27BBCE-6112-4715-BC18-3DC5F74C62C8}"/>
+                </a:ext>
+              </a:extLst>
+            </p:cNvPr>
+            <p:cNvSpPr>
+              <a:spLocks noChangeAspect="1"/>
+            </p:cNvSpPr>
+            <p:nvPr/>
+          </p:nvSpPr>
+          <p:spPr>
+            <a:xfrm>
+              <a:off x="6585102" y="3498379"/>
+              <a:ext cx="85259" cy="85259"/>
+            </a:xfrm>
+            <a:prstGeom prst="ellipse">
+              <a:avLst/>
+            </a:prstGeom>
             <a:solidFill>
-              <a:schemeClr val="accent3"/>
+              <a:srgbClr val="FFC000"/>
             </a:solidFill>
-            <a:prstDash val="dash"/>
-            <a:round/>
-            <a:headEnd type="none" w="med" len="med"/>
-            <a:tailEnd type="none" w="med" len="med"/>
-          </a:ln>
-        </p:spPr>
-        <p:style>
-          <a:lnRef idx="0">
-            <a:scrgbClr r="0" g="0" b="0"/>
-          </a:lnRef>
-          <a:fillRef idx="0">
-            <a:scrgbClr r="0" g="0" b="0"/>
-          </a:fillRef>
-          <a:effectRef idx="0">
-            <a:scrgbClr r="0" g="0" b="0"/>
-          </a:effectRef>
-          <a:fontRef idx="minor">
-            <a:schemeClr val="tx1"/>
-          </a:fontRef>
-        </p:style>
-      </p:cxnSp>
-      <p:cxnSp>
-        <p:nvCxnSpPr>
-          <p:cNvPr id="35" name="直接连接符 34">
-            <a:extLst>
-              <a:ext uri="{FF2B5EF4-FFF2-40B4-BE49-F238E27FC236}">
-                <a16:creationId xmlns:a16="http://schemas.microsoft.com/office/drawing/2014/main" id="{29165A57-4529-4E5C-924B-51831F87D5B8}"/>
-              </a:ext>
-            </a:extLst>
-          </p:cNvPr>
-          <p:cNvCxnSpPr>
-            <a:cxnSpLocks/>
-          </p:cNvCxnSpPr>
-          <p:nvPr/>
-        </p:nvCxnSpPr>
-        <p:spPr>
-          <a:xfrm flipH="1">
-            <a:off x="5731900" y="4318402"/>
-            <a:ext cx="904709" cy="0"/>
-          </a:xfrm>
-          <a:prstGeom prst="line">
-            <a:avLst/>
-          </a:prstGeom>
-          <a:ln w="19050" cap="flat" cmpd="sng" algn="ctr">
+            <a:ln w="25400">
+              <a:solidFill>
+                <a:schemeClr val="bg1"/>
+              </a:solidFill>
+            </a:ln>
+          </p:spPr>
+          <p:style>
+            <a:lnRef idx="2">
+              <a:schemeClr val="accent1">
+                <a:shade val="50000"/>
+              </a:schemeClr>
+            </a:lnRef>
+            <a:fillRef idx="1">
+              <a:schemeClr val="accent1"/>
+            </a:fillRef>
+            <a:effectRef idx="0">
+              <a:schemeClr val="accent1"/>
+            </a:effectRef>
+            <a:fontRef idx="minor">
+              <a:schemeClr val="lt1"/>
+            </a:fontRef>
+          </p:style>
+          <p:txBody>
+            <a:bodyPr rtlCol="0" anchor="ctr"/>
+            <a:lstStyle/>
+            <a:p>
+              <a:pPr algn="ctr"/>
+              <a:endParaRPr lang="en-US">
+                <a:cs typeface="+mn-ea"/>
+              </a:endParaRPr>
+            </a:p>
+          </p:txBody>
+        </p:sp>
+        <p:sp>
+          <p:nvSpPr>
+            <p:cNvPr id="21" name="椭圆 20">
+              <a:extLst>
+                <a:ext uri="{FF2B5EF4-FFF2-40B4-BE49-F238E27FC236}">
+                  <a16:creationId xmlns:a16="http://schemas.microsoft.com/office/drawing/2014/main" id="{E7B7F82F-A5F5-4FD8-9EBD-7BF5A8F58B01}"/>
+                </a:ext>
+              </a:extLst>
+            </p:cNvPr>
+            <p:cNvSpPr>
+              <a:spLocks noChangeAspect="1"/>
+            </p:cNvSpPr>
+            <p:nvPr/>
+          </p:nvSpPr>
+          <p:spPr>
+            <a:xfrm>
+              <a:off x="4074850" y="3208786"/>
+              <a:ext cx="85259" cy="85259"/>
+            </a:xfrm>
+            <a:prstGeom prst="ellipse">
+              <a:avLst/>
+            </a:prstGeom>
             <a:solidFill>
-              <a:schemeClr val="accent3"/>
+              <a:srgbClr val="FFC000"/>
             </a:solidFill>
-            <a:prstDash val="dash"/>
-            <a:round/>
-            <a:headEnd type="none" w="med" len="med"/>
-            <a:tailEnd type="none" w="med" len="med"/>
-          </a:ln>
-        </p:spPr>
-        <p:style>
-          <a:lnRef idx="0">
-            <a:scrgbClr r="0" g="0" b="0"/>
-          </a:lnRef>
-          <a:fillRef idx="0">
-            <a:scrgbClr r="0" g="0" b="0"/>
-          </a:fillRef>
-          <a:effectRef idx="0">
-            <a:scrgbClr r="0" g="0" b="0"/>
-          </a:effectRef>
-          <a:fontRef idx="minor">
-            <a:schemeClr val="tx1"/>
-          </a:fontRef>
-        </p:style>
-      </p:cxnSp>
+            <a:ln w="25400">
+              <a:solidFill>
+                <a:schemeClr val="bg1"/>
+              </a:solidFill>
+            </a:ln>
+          </p:spPr>
+          <p:style>
+            <a:lnRef idx="2">
+              <a:schemeClr val="accent1">
+                <a:shade val="50000"/>
+              </a:schemeClr>
+            </a:lnRef>
+            <a:fillRef idx="1">
+              <a:schemeClr val="accent1"/>
+            </a:fillRef>
+            <a:effectRef idx="0">
+              <a:schemeClr val="accent1"/>
+            </a:effectRef>
+            <a:fontRef idx="minor">
+              <a:schemeClr val="lt1"/>
+            </a:fontRef>
+          </p:style>
+          <p:txBody>
+            <a:bodyPr rtlCol="0" anchor="ctr"/>
+            <a:lstStyle/>
+            <a:p>
+              <a:pPr algn="ctr"/>
+              <a:endParaRPr lang="en-US">
+                <a:cs typeface="+mn-ea"/>
+              </a:endParaRPr>
+            </a:p>
+          </p:txBody>
+        </p:sp>
+        <p:cxnSp>
+          <p:nvCxnSpPr>
+            <p:cNvPr id="30" name="直接连接符 29">
+              <a:extLst>
+                <a:ext uri="{FF2B5EF4-FFF2-40B4-BE49-F238E27FC236}">
+                  <a16:creationId xmlns:a16="http://schemas.microsoft.com/office/drawing/2014/main" id="{60A30C69-A49A-4339-B27B-C3BE7B84BB9D}"/>
+                </a:ext>
+              </a:extLst>
+            </p:cNvPr>
+            <p:cNvCxnSpPr>
+              <a:cxnSpLocks/>
+            </p:cNvCxnSpPr>
+            <p:nvPr/>
+          </p:nvCxnSpPr>
+          <p:spPr>
+            <a:xfrm>
+              <a:off x="6627732" y="3583638"/>
+              <a:ext cx="0" cy="752520"/>
+            </a:xfrm>
+            <a:prstGeom prst="line">
+              <a:avLst/>
+            </a:prstGeom>
+            <a:ln w="19050" cap="flat" cmpd="sng" algn="ctr">
+              <a:solidFill>
+                <a:schemeClr val="accent3"/>
+              </a:solidFill>
+              <a:prstDash val="dash"/>
+              <a:round/>
+              <a:headEnd type="none" w="med" len="med"/>
+              <a:tailEnd type="none" w="med" len="med"/>
+            </a:ln>
+          </p:spPr>
+          <p:style>
+            <a:lnRef idx="0">
+              <a:scrgbClr r="0" g="0" b="0"/>
+            </a:lnRef>
+            <a:fillRef idx="0">
+              <a:scrgbClr r="0" g="0" b="0"/>
+            </a:fillRef>
+            <a:effectRef idx="0">
+              <a:scrgbClr r="0" g="0" b="0"/>
+            </a:effectRef>
+            <a:fontRef idx="minor">
+              <a:schemeClr val="tx1"/>
+            </a:fontRef>
+          </p:style>
+        </p:cxnSp>
+        <p:sp>
+          <p:nvSpPr>
+            <p:cNvPr id="33" name="椭圆 32">
+              <a:extLst>
+                <a:ext uri="{FF2B5EF4-FFF2-40B4-BE49-F238E27FC236}">
+                  <a16:creationId xmlns:a16="http://schemas.microsoft.com/office/drawing/2014/main" id="{8200F1B3-2D91-425E-A2C6-3720F96CEF02}"/>
+                </a:ext>
+              </a:extLst>
+            </p:cNvPr>
+            <p:cNvSpPr>
+              <a:spLocks noChangeAspect="1"/>
+            </p:cNvSpPr>
+            <p:nvPr/>
+          </p:nvSpPr>
+          <p:spPr>
+            <a:xfrm>
+              <a:off x="5688735" y="3498379"/>
+              <a:ext cx="85259" cy="85259"/>
+            </a:xfrm>
+            <a:prstGeom prst="ellipse">
+              <a:avLst/>
+            </a:prstGeom>
+            <a:solidFill>
+              <a:srgbClr val="FFC000"/>
+            </a:solidFill>
+            <a:ln w="25400">
+              <a:solidFill>
+                <a:schemeClr val="bg1"/>
+              </a:solidFill>
+            </a:ln>
+          </p:spPr>
+          <p:style>
+            <a:lnRef idx="2">
+              <a:schemeClr val="accent1">
+                <a:shade val="50000"/>
+              </a:schemeClr>
+            </a:lnRef>
+            <a:fillRef idx="1">
+              <a:schemeClr val="accent1"/>
+            </a:fillRef>
+            <a:effectRef idx="0">
+              <a:schemeClr val="accent1"/>
+            </a:effectRef>
+            <a:fontRef idx="minor">
+              <a:schemeClr val="lt1"/>
+            </a:fontRef>
+          </p:style>
+          <p:txBody>
+            <a:bodyPr rtlCol="0" anchor="ctr"/>
+            <a:lstStyle/>
+            <a:p>
+              <a:pPr algn="ctr"/>
+              <a:endParaRPr lang="en-US">
+                <a:cs typeface="+mn-ea"/>
+              </a:endParaRPr>
+            </a:p>
+          </p:txBody>
+        </p:sp>
+        <p:cxnSp>
+          <p:nvCxnSpPr>
+            <p:cNvPr id="34" name="直接连接符 33">
+              <a:extLst>
+                <a:ext uri="{FF2B5EF4-FFF2-40B4-BE49-F238E27FC236}">
+                  <a16:creationId xmlns:a16="http://schemas.microsoft.com/office/drawing/2014/main" id="{EC8113DA-FDBF-4DA6-9E59-72A3C4D25C9E}"/>
+                </a:ext>
+              </a:extLst>
+            </p:cNvPr>
+            <p:cNvCxnSpPr>
+              <a:cxnSpLocks/>
+            </p:cNvCxnSpPr>
+            <p:nvPr/>
+          </p:nvCxnSpPr>
+          <p:spPr>
+            <a:xfrm>
+              <a:off x="6184254" y="4318402"/>
+              <a:ext cx="0" cy="294223"/>
+            </a:xfrm>
+            <a:prstGeom prst="line">
+              <a:avLst/>
+            </a:prstGeom>
+            <a:ln w="19050" cap="flat" cmpd="sng" algn="ctr">
+              <a:solidFill>
+                <a:schemeClr val="accent3"/>
+              </a:solidFill>
+              <a:prstDash val="dash"/>
+              <a:round/>
+              <a:headEnd type="none" w="med" len="med"/>
+              <a:tailEnd type="none" w="med" len="med"/>
+            </a:ln>
+          </p:spPr>
+          <p:style>
+            <a:lnRef idx="0">
+              <a:scrgbClr r="0" g="0" b="0"/>
+            </a:lnRef>
+            <a:fillRef idx="0">
+              <a:scrgbClr r="0" g="0" b="0"/>
+            </a:fillRef>
+            <a:effectRef idx="0">
+              <a:scrgbClr r="0" g="0" b="0"/>
+            </a:effectRef>
+            <a:fontRef idx="minor">
+              <a:schemeClr val="tx1"/>
+            </a:fontRef>
+          </p:style>
+        </p:cxnSp>
+        <p:cxnSp>
+          <p:nvCxnSpPr>
+            <p:cNvPr id="35" name="直接连接符 34">
+              <a:extLst>
+                <a:ext uri="{FF2B5EF4-FFF2-40B4-BE49-F238E27FC236}">
+                  <a16:creationId xmlns:a16="http://schemas.microsoft.com/office/drawing/2014/main" id="{29165A57-4529-4E5C-924B-51831F87D5B8}"/>
+                </a:ext>
+              </a:extLst>
+            </p:cNvPr>
+            <p:cNvCxnSpPr>
+              <a:cxnSpLocks/>
+            </p:cNvCxnSpPr>
+            <p:nvPr/>
+          </p:nvCxnSpPr>
+          <p:spPr>
+            <a:xfrm flipH="1">
+              <a:off x="5731900" y="4318402"/>
+              <a:ext cx="904709" cy="0"/>
+            </a:xfrm>
+            <a:prstGeom prst="line">
+              <a:avLst/>
+            </a:prstGeom>
+            <a:ln w="19050" cap="flat" cmpd="sng" algn="ctr">
+              <a:solidFill>
+                <a:schemeClr val="accent3"/>
+              </a:solidFill>
+              <a:prstDash val="dash"/>
+              <a:round/>
+              <a:headEnd type="none" w="med" len="med"/>
+              <a:tailEnd type="none" w="med" len="med"/>
+            </a:ln>
+          </p:spPr>
+          <p:style>
+            <a:lnRef idx="0">
+              <a:scrgbClr r="0" g="0" b="0"/>
+            </a:lnRef>
+            <a:fillRef idx="0">
+              <a:scrgbClr r="0" g="0" b="0"/>
+            </a:fillRef>
+            <a:effectRef idx="0">
+              <a:scrgbClr r="0" g="0" b="0"/>
+            </a:effectRef>
+            <a:fontRef idx="minor">
+              <a:schemeClr val="tx1"/>
+            </a:fontRef>
+          </p:style>
+        </p:cxnSp>
+      </p:grpSp>
     </p:spTree>
     <p:extLst>
       <p:ext uri="{BB962C8B-B14F-4D97-AF65-F5344CB8AC3E}">
